--- a/Docs/PresentSlides.pptx
+++ b/Docs/PresentSlides.pptx
@@ -799,6 +799,11 @@
         </p:txBody>
       </p:sp>
     </p:spTree>
+    <p:extLst>
+      <p:ext uri="{BB962C8B-B14F-4D97-AF65-F5344CB8AC3E}">
+        <p14:creationId xmlns:p14="http://schemas.microsoft.com/office/powerpoint/2010/main" val="1926245757"/>
+      </p:ext>
+    </p:extLst>
   </p:cSld>
   <p:clrMapOvr>
     <a:masterClrMapping/>
@@ -2849,6 +2854,10 @@
               <a:rPr lang="en-US" altLang="ja-JP" sz="4000" b="1" dirty="0"/>
               <a:t>TÀI LUẬN VĂN</a:t>
             </a:r>
+            <a:r>
+              <a:rPr lang="en-US" altLang="ja-JP" sz="4400" b="1" dirty="0"/>
+              <a:t/>
+            </a:r>
             <a:br>
               <a:rPr lang="en-US" altLang="ja-JP" sz="4400" b="1" dirty="0"/>
             </a:br>
@@ -2994,7 +3003,7 @@
           <p:cNvPr id="10" name="Hình ảnh 9">
             <a:extLst>
               <a:ext uri="{FF2B5EF4-FFF2-40B4-BE49-F238E27FC236}">
-                <a16:creationId xmlns:a16="http://schemas.microsoft.com/office/drawing/2014/main" id="{8D3585D1-4E82-4F30-9AF5-DBC3E8FC75F4}"/>
+                <a16:creationId xmlns:a16="http://schemas.microsoft.com/office/drawing/2014/main" xmlns="" id="{8D3585D1-4E82-4F30-9AF5-DBC3E8FC75F4}"/>
               </a:ext>
             </a:extLst>
           </p:cNvPr>
@@ -3030,7 +3039,7 @@
           <p:cNvPr id="12" name="Hình ảnh 11" descr="Ảnh có chứa đối tượng&#10;&#10;Mô tả được tạo tự động">
             <a:extLst>
               <a:ext uri="{FF2B5EF4-FFF2-40B4-BE49-F238E27FC236}">
-                <a16:creationId xmlns:a16="http://schemas.microsoft.com/office/drawing/2014/main" id="{0FA2F4E3-68AC-4F4A-AEAC-E1195F21BAD8}"/>
+                <a16:creationId xmlns:a16="http://schemas.microsoft.com/office/drawing/2014/main" xmlns="" id="{0FA2F4E3-68AC-4F4A-AEAC-E1195F21BAD8}"/>
               </a:ext>
             </a:extLst>
           </p:cNvPr>
@@ -3070,11 +3079,48 @@
           </a:prstGeom>
         </p:spPr>
       </p:pic>
+      <p:pic>
+        <p:nvPicPr>
+          <p:cNvPr id="7" name="Picture 6"/>
+          <p:cNvPicPr>
+            <a:picLocks noChangeAspect="1"/>
+          </p:cNvPicPr>
+          <p:nvPr/>
+        </p:nvPicPr>
+        <p:blipFill>
+          <a:blip r:embed="rId5">
+            <a:extLst>
+              <a:ext uri="{28A0092B-C50C-407E-A947-70E740481C1C}">
+                <a14:useLocalDpi xmlns:a14="http://schemas.microsoft.com/office/drawing/2010/main" val="0"/>
+              </a:ext>
+            </a:extLst>
+          </a:blip>
+          <a:stretch>
+            <a:fillRect/>
+          </a:stretch>
+        </p:blipFill>
+        <p:spPr>
+          <a:xfrm>
+            <a:off x="0" y="857250"/>
+            <a:ext cx="9144000" cy="5143500"/>
+          </a:xfrm>
+          <a:prstGeom prst="rect">
+            <a:avLst/>
+          </a:prstGeom>
+        </p:spPr>
+      </p:pic>
     </p:spTree>
   </p:cSld>
   <p:clrMapOvr>
     <a:masterClrMapping/>
   </p:clrMapOvr>
+  <p:timing>
+    <p:tnLst>
+      <p:par>
+        <p:cTn id="1" dur="indefinite" restart="never" nodeType="tmRoot"/>
+      </p:par>
+    </p:tnLst>
+  </p:timing>
 </p:sld>
 </file>
 
@@ -4232,6 +4278,10 @@
               <a:rPr lang="en-US" altLang="ja-JP" sz="4000" b="1" dirty="0"/>
               <a:t>TÀI LUẬN VĂN</a:t>
             </a:r>
+            <a:r>
+              <a:rPr lang="en-US" altLang="ja-JP" sz="4400" b="1" dirty="0"/>
+              <a:t/>
+            </a:r>
             <a:br>
               <a:rPr lang="en-US" altLang="ja-JP" sz="4400" b="1" dirty="0"/>
             </a:br>
@@ -4377,7 +4427,7 @@
           <p:cNvPr id="10" name="Hình ảnh 9">
             <a:extLst>
               <a:ext uri="{FF2B5EF4-FFF2-40B4-BE49-F238E27FC236}">
-                <a16:creationId xmlns:a16="http://schemas.microsoft.com/office/drawing/2014/main" id="{8D3585D1-4E82-4F30-9AF5-DBC3E8FC75F4}"/>
+                <a16:creationId xmlns:a16="http://schemas.microsoft.com/office/drawing/2014/main" xmlns="" id="{8D3585D1-4E82-4F30-9AF5-DBC3E8FC75F4}"/>
               </a:ext>
             </a:extLst>
           </p:cNvPr>
@@ -4413,7 +4463,7 @@
           <p:cNvPr id="12" name="Hình ảnh 11" descr="Ảnh có chứa đối tượng&#10;&#10;Mô tả được tạo tự động">
             <a:extLst>
               <a:ext uri="{FF2B5EF4-FFF2-40B4-BE49-F238E27FC236}">
-                <a16:creationId xmlns:a16="http://schemas.microsoft.com/office/drawing/2014/main" id="{0FA2F4E3-68AC-4F4A-AEAC-E1195F21BAD8}"/>
+                <a16:creationId xmlns:a16="http://schemas.microsoft.com/office/drawing/2014/main" xmlns="" id="{0FA2F4E3-68AC-4F4A-AEAC-E1195F21BAD8}"/>
               </a:ext>
             </a:extLst>
           </p:cNvPr>
@@ -4464,7 +4514,7 @@
     <a:masterClrMapping/>
   </p:clrMapOvr>
   <mc:AlternateContent xmlns:mc="http://schemas.openxmlformats.org/markup-compatibility/2006">
-    <mc:Choice xmlns:p159="http://schemas.microsoft.com/office/powerpoint/2015/09/main" Requires="p159">
+    <mc:Choice xmlns:p159="http://schemas.microsoft.com/office/powerpoint/2015/09/main" xmlns="" Requires="p159">
       <p:transition xmlns:p14="http://schemas.microsoft.com/office/powerpoint/2010/main" spd="slow" p14:dur="2000">
         <p159:morph option="byObject"/>
       </p:transition>
